--- a/Calendario2019/Presentaciones/Semana2/2_5_CondicionalesF.pptx
+++ b/Calendario2019/Presentaciones/Semana2/2_5_CondicionalesF.pptx
@@ -41783,7 +41783,13 @@
           <p:cNvGraphicFramePr>
             <a:graphicFrameLocks noGrp="1"/>
           </p:cNvGraphicFramePr>
-          <p:nvPr/>
+          <p:nvPr>
+            <p:extLst>
+              <p:ext uri="{D42A27DB-BD31-4B8C-83A1-F6EECF244321}">
+                <p14:modId xmlns:p14="http://schemas.microsoft.com/office/powerpoint/2010/main" val="1074223939"/>
+              </p:ext>
+            </p:extLst>
+          </p:nvPr>
         </p:nvGraphicFramePr>
         <p:xfrm>
           <a:off x="6200273" y="99633"/>
@@ -41890,7 +41896,7 @@
                       <a:pPr algn="ctr"/>
                       <a:r>
                         <a:rPr lang="es-MX" sz="1400" dirty="0"/>
-                        <a:t>18.5 – 29.9</a:t>
+                        <a:t>18.5 – 24.9</a:t>
                       </a:r>
                     </a:p>
                   </a:txBody>

--- a/Calendario2019/Presentaciones/Semana2/2_5_CondicionalesF.pptx
+++ b/Calendario2019/Presentaciones/Semana2/2_5_CondicionalesF.pptx
@@ -240,7 +240,7 @@
           <a:p>
             <a:fld id="{147FCFDD-039F-4F49-853B-F5C19F23CF75}" type="datetimeFigureOut">
               <a:rPr lang="es-MX" smtClean="0"/>
-              <a:t>14/11/2019</a:t>
+              <a:t>15/11/2019</a:t>
             </a:fld>
             <a:endParaRPr lang="es-MX" dirty="0"/>
           </a:p>
@@ -1479,7 +1479,7 @@
           <a:p>
             <a:fld id="{1D8BD707-D9CF-40AE-B4C6-C98DA3205C09}" type="datetimeFigureOut">
               <a:rPr lang="en-US" smtClean="0"/>
-              <a:t>11/14/2019</a:t>
+              <a:t>11/15/2019</a:t>
             </a:fld>
             <a:endParaRPr lang="en-US" dirty="0"/>
           </a:p>
@@ -1641,7 +1641,7 @@
           <a:p>
             <a:fld id="{1D8BD707-D9CF-40AE-B4C6-C98DA3205C09}" type="datetimeFigureOut">
               <a:rPr lang="en-US" smtClean="0"/>
-              <a:t>11/14/2019</a:t>
+              <a:t>11/15/2019</a:t>
             </a:fld>
             <a:endParaRPr lang="en-US" dirty="0"/>
           </a:p>
@@ -1842,7 +1842,7 @@
           <a:p>
             <a:fld id="{1D8BD707-D9CF-40AE-B4C6-C98DA3205C09}" type="datetimeFigureOut">
               <a:rPr lang="en-US" smtClean="0"/>
-              <a:t>11/14/2019</a:t>
+              <a:t>11/15/2019</a:t>
             </a:fld>
             <a:endParaRPr lang="en-US" dirty="0"/>
           </a:p>
@@ -1985,7 +1985,7 @@
           <a:p>
             <a:fld id="{1D8BD707-D9CF-40AE-B4C6-C98DA3205C09}" type="datetimeFigureOut">
               <a:rPr lang="en-US" smtClean="0"/>
-              <a:t>11/14/2019</a:t>
+              <a:t>11/15/2019</a:t>
             </a:fld>
             <a:endParaRPr lang="en-US" dirty="0"/>
           </a:p>
@@ -2109,7 +2109,7 @@
           <a:p>
             <a:fld id="{1D8BD707-D9CF-40AE-B4C6-C98DA3205C09}" type="datetimeFigureOut">
               <a:rPr lang="en-US" smtClean="0"/>
-              <a:t>11/14/2019</a:t>
+              <a:t>11/15/2019</a:t>
             </a:fld>
             <a:endParaRPr lang="en-US" dirty="0"/>
           </a:p>
@@ -2370,7 +2370,7 @@
           <a:p>
             <a:fld id="{1D8BD707-D9CF-40AE-B4C6-C98DA3205C09}" type="datetimeFigureOut">
               <a:rPr lang="en-US" smtClean="0"/>
-              <a:t>11/14/2019</a:t>
+              <a:t>11/15/2019</a:t>
             </a:fld>
             <a:endParaRPr lang="en-US" dirty="0"/>
           </a:p>
@@ -35070,6 +35070,108 @@
           </a:effectLst>
         </p:spPr>
       </p:pic>
+      <p:sp>
+        <p:nvSpPr>
+          <p:cNvPr id="3" name="Rectángulo 2">
+            <a:extLst>
+              <a:ext uri="{FF2B5EF4-FFF2-40B4-BE49-F238E27FC236}">
+                <a16:creationId xmlns:a16="http://schemas.microsoft.com/office/drawing/2014/main" id="{FAAFCB65-DF48-428D-9512-4AC10FF8182F}"/>
+              </a:ext>
+            </a:extLst>
+          </p:cNvPr>
+          <p:cNvSpPr/>
+          <p:nvPr/>
+        </p:nvSpPr>
+        <p:spPr>
+          <a:xfrm>
+            <a:off x="2783401" y="3549301"/>
+            <a:ext cx="3878691" cy="464871"/>
+          </a:xfrm>
+          <a:prstGeom prst="rect">
+            <a:avLst/>
+          </a:prstGeom>
+        </p:spPr>
+        <p:txBody>
+          <a:bodyPr wrap="none">
+            <a:spAutoFit/>
+          </a:bodyPr>
+          <a:lstStyle/>
+          <a:p>
+            <a:pPr algn="just">
+              <a:lnSpc>
+                <a:spcPct val="150000"/>
+              </a:lnSpc>
+            </a:pPr>
+            <a:r>
+              <a:rPr lang="es-MX" dirty="0">
+                <a:solidFill>
+                  <a:srgbClr val="C5DAEB"/>
+                </a:solidFill>
+                <a:cs typeface="Calibri"/>
+              </a:rPr>
+              <a:t>Instala</a:t>
+            </a:r>
+            <a:r>
+              <a:rPr lang="es-MX" b="1" dirty="0">
+                <a:solidFill>
+                  <a:srgbClr val="FFC000"/>
+                </a:solidFill>
+                <a:cs typeface="Calibri"/>
+              </a:rPr>
+              <a:t> </a:t>
+            </a:r>
+            <a:r>
+              <a:rPr lang="es-MX" b="1" dirty="0" err="1">
+                <a:solidFill>
+                  <a:srgbClr val="FFC000"/>
+                </a:solidFill>
+                <a:cs typeface="Calibri"/>
+              </a:rPr>
+              <a:t>Thonny</a:t>
+            </a:r>
+            <a:r>
+              <a:rPr lang="es-MX" b="1" dirty="0">
+                <a:solidFill>
+                  <a:srgbClr val="C5DAEB"/>
+                </a:solidFill>
+                <a:cs typeface="Calibri"/>
+              </a:rPr>
+              <a:t> </a:t>
+            </a:r>
+            <a:r>
+              <a:rPr lang="es-MX" dirty="0">
+                <a:solidFill>
+                  <a:srgbClr val="C5DAEB"/>
+                </a:solidFill>
+                <a:cs typeface="Calibri"/>
+              </a:rPr>
+              <a:t>en: </a:t>
+            </a:r>
+            <a:r>
+              <a:rPr lang="es-MX" b="1" dirty="0">
+                <a:solidFill>
+                  <a:schemeClr val="bg1"/>
+                </a:solidFill>
+                <a:cs typeface="Calibri"/>
+                <a:hlinkClick r:id="rId7">
+                  <a:extLst>
+                    <a:ext uri="{A12FA001-AC4F-418D-AE19-62706E023703}">
+                      <ahyp:hlinkClr xmlns:ahyp="http://schemas.microsoft.com/office/drawing/2018/hyperlinkcolor" val="tx"/>
+                    </a:ext>
+                  </a:extLst>
+                </a:hlinkClick>
+              </a:rPr>
+              <a:t>https://thonny.org/</a:t>
+            </a:r>
+            <a:endParaRPr lang="es-MX" b="1" dirty="0">
+              <a:solidFill>
+                <a:schemeClr val="bg1"/>
+              </a:solidFill>
+              <a:cs typeface="Calibri"/>
+            </a:endParaRPr>
+          </a:p>
+        </p:txBody>
+      </p:sp>
     </p:spTree>
     <p:extLst>
       <p:ext uri="{BB962C8B-B14F-4D97-AF65-F5344CB8AC3E}">
@@ -37570,7 +37672,7 @@
           <p:nvPr>
             <p:extLst>
               <p:ext uri="{D42A27DB-BD31-4B8C-83A1-F6EECF244321}">
-                <p14:modId xmlns:p14="http://schemas.microsoft.com/office/powerpoint/2010/main" val="2545389274"/>
+                <p14:modId xmlns:p14="http://schemas.microsoft.com/office/powerpoint/2010/main" val="4047194378"/>
               </p:ext>
             </p:extLst>
           </p:nvPr>
@@ -38029,15 +38131,7 @@
                       <a:pPr algn="ctr"/>
                       <a:r>
                         <a:rPr lang="es-MX" sz="1600" dirty="0"/>
-                        <a:t>Operador </a:t>
-                      </a:r>
-                      <a:r>
-                        <a:rPr lang="es-MX" sz="1600" dirty="0" err="1"/>
-                        <a:t>nó</a:t>
-                      </a:r>
-                      <a:r>
-                        <a:rPr lang="es-MX" sz="1600" dirty="0"/>
-                        <a:t> valido</a:t>
+                        <a:t>Operador no valido</a:t>
                       </a:r>
                     </a:p>
                   </a:txBody>
@@ -39199,7 +39293,13 @@
           <p:cNvGraphicFramePr>
             <a:graphicFrameLocks noGrp="1"/>
           </p:cNvGraphicFramePr>
-          <p:nvPr/>
+          <p:nvPr>
+            <p:extLst>
+              <p:ext uri="{D42A27DB-BD31-4B8C-83A1-F6EECF244321}">
+                <p14:modId xmlns:p14="http://schemas.microsoft.com/office/powerpoint/2010/main" val="837745683"/>
+              </p:ext>
+            </p:extLst>
+          </p:nvPr>
         </p:nvGraphicFramePr>
         <p:xfrm>
           <a:off x="2159060" y="3274905"/>
@@ -39272,7 +39372,7 @@
                       <a:pPr algn="ctr"/>
                       <a:r>
                         <a:rPr lang="es-MX" sz="1600" dirty="0"/>
-                        <a:t>3</a:t>
+                        <a:t>4.5</a:t>
                       </a:r>
                     </a:p>
                   </a:txBody>
@@ -39286,7 +39386,7 @@
                       <a:pPr algn="ctr"/>
                       <a:r>
                         <a:rPr lang="es-MX" sz="1600" dirty="0"/>
-                        <a:t>4</a:t>
+                        <a:t>63.61</a:t>
                       </a:r>
                     </a:p>
                   </a:txBody>
@@ -39307,7 +39407,7 @@
                       <a:pPr algn="ctr"/>
                       <a:r>
                         <a:rPr lang="es-MX" sz="1600" dirty="0"/>
-                        <a:t>4</a:t>
+                        <a:t>8.2</a:t>
                       </a:r>
                     </a:p>
                   </a:txBody>
@@ -39321,7 +39421,7 @@
                       <a:pPr algn="ctr"/>
                       <a:r>
                         <a:rPr lang="es-MX" sz="1600" dirty="0"/>
-                        <a:t>1</a:t>
+                        <a:t>211.24</a:t>
                       </a:r>
                     </a:p>
                   </a:txBody>
@@ -39342,7 +39442,7 @@
                       <a:pPr algn="ctr"/>
                       <a:r>
                         <a:rPr lang="es-MX" sz="1600" dirty="0"/>
-                        <a:t>2</a:t>
+                        <a:t>5</a:t>
                       </a:r>
                     </a:p>
                   </a:txBody>
@@ -39356,7 +39456,7 @@
                       <a:pPr algn="ctr"/>
                       <a:r>
                         <a:rPr lang="es-MX" sz="1600" dirty="0"/>
-                        <a:t>3</a:t>
+                        <a:t>78.53</a:t>
                       </a:r>
                     </a:p>
                   </a:txBody>
@@ -40337,7 +40437,7 @@
                   </a:schemeClr>
                 </a:solidFill>
               </a:rPr>
-              <a:t>, que recibe el base y la altura del triángulo y regresa como resultado el área del triángulo. </a:t>
+              <a:t>, que recibe la base y la altura del triángulo y regresa como resultado el área del triángulo. </a:t>
             </a:r>
           </a:p>
           <a:p>
@@ -40386,7 +40486,7 @@
         </p:nvSpPr>
         <p:spPr>
           <a:xfrm>
-            <a:off x="2159060" y="2952750"/>
+            <a:off x="2159060" y="2876550"/>
             <a:ext cx="1692175" cy="388492"/>
           </a:xfrm>
           <a:prstGeom prst="rect">
@@ -40513,14 +40613,14 @@
           <p:nvPr>
             <p:extLst>
               <p:ext uri="{D42A27DB-BD31-4B8C-83A1-F6EECF244321}">
-                <p14:modId xmlns:p14="http://schemas.microsoft.com/office/powerpoint/2010/main" val="4205298434"/>
+                <p14:modId xmlns:p14="http://schemas.microsoft.com/office/powerpoint/2010/main" val="503551706"/>
               </p:ext>
             </p:extLst>
           </p:nvPr>
         </p:nvGraphicFramePr>
         <p:xfrm>
-          <a:off x="2159060" y="3274905"/>
-          <a:ext cx="2565340" cy="1341120"/>
+          <a:off x="2159060" y="3409950"/>
+          <a:ext cx="2565341" cy="1341120"/>
         </p:xfrm>
         <a:graphic>
           <a:graphicData uri="http://schemas.openxmlformats.org/drawingml/2006/table">
@@ -40529,17 +40629,24 @@
                 <a:tableStyleId>{5C22544A-7EE6-4342-B048-85BDC9FD1C3A}</a:tableStyleId>
               </a:tblPr>
               <a:tblGrid>
-                <a:gridCol w="1117540">
+                <a:gridCol w="714371">
                   <a:extLst>
                     <a:ext uri="{9D8B030D-6E8A-4147-A177-3AD203B41FA5}">
                       <a16:colId xmlns:a16="http://schemas.microsoft.com/office/drawing/2014/main" val="2558049104"/>
                     </a:ext>
                   </a:extLst>
                 </a:gridCol>
-                <a:gridCol w="1447800">
+                <a:gridCol w="925485">
                   <a:extLst>
                     <a:ext uri="{9D8B030D-6E8A-4147-A177-3AD203B41FA5}">
                       <a16:colId xmlns:a16="http://schemas.microsoft.com/office/drawing/2014/main" val="2289536505"/>
+                    </a:ext>
+                  </a:extLst>
+                </a:gridCol>
+                <a:gridCol w="925485">
+                  <a:extLst>
+                    <a:ext uri="{9D8B030D-6E8A-4147-A177-3AD203B41FA5}">
+                      <a16:colId xmlns:a16="http://schemas.microsoft.com/office/drawing/2014/main" val="1694947451"/>
                     </a:ext>
                   </a:extLst>
                 </a:gridCol>
@@ -40553,7 +40660,21 @@
                       <a:pPr algn="ctr"/>
                       <a:r>
                         <a:rPr lang="es-MX" sz="1600" dirty="0"/>
-                        <a:t>radio</a:t>
+                        <a:t>base</a:t>
+                      </a:r>
+                    </a:p>
+                  </a:txBody>
+                  <a:tcPr/>
+                </a:tc>
+                <a:tc>
+                  <a:txBody>
+                    <a:bodyPr/>
+                    <a:lstStyle/>
+                    <a:p>
+                      <a:pPr algn="ctr"/>
+                      <a:r>
+                        <a:rPr lang="es-MX" sz="1600" dirty="0"/>
+                        <a:t>altura</a:t>
                       </a:r>
                     </a:p>
                   </a:txBody>
@@ -40589,7 +40710,7 @@
                       <a:pPr algn="ctr"/>
                       <a:r>
                         <a:rPr lang="es-MX" sz="1600" dirty="0"/>
-                        <a:t>3</a:t>
+                        <a:t>4</a:t>
                       </a:r>
                     </a:p>
                   </a:txBody>
@@ -40603,7 +40724,21 @@
                       <a:pPr algn="ctr"/>
                       <a:r>
                         <a:rPr lang="es-MX" sz="1600" dirty="0"/>
-                        <a:t>4</a:t>
+                        <a:t>5</a:t>
+                      </a:r>
+                    </a:p>
+                  </a:txBody>
+                  <a:tcPr/>
+                </a:tc>
+                <a:tc>
+                  <a:txBody>
+                    <a:bodyPr/>
+                    <a:lstStyle/>
+                    <a:p>
+                      <a:pPr algn="ctr"/>
+                      <a:r>
+                        <a:rPr lang="es-MX" sz="1600" dirty="0"/>
+                        <a:t>10.0</a:t>
                       </a:r>
                     </a:p>
                   </a:txBody>
@@ -40624,7 +40759,7 @@
                       <a:pPr algn="ctr"/>
                       <a:r>
                         <a:rPr lang="es-MX" sz="1600" dirty="0"/>
-                        <a:t>4</a:t>
+                        <a:t>8.3</a:t>
                       </a:r>
                     </a:p>
                   </a:txBody>
@@ -40638,7 +40773,21 @@
                       <a:pPr algn="ctr"/>
                       <a:r>
                         <a:rPr lang="es-MX" sz="1600" dirty="0"/>
-                        <a:t>1</a:t>
+                        <a:t>4.5</a:t>
+                      </a:r>
+                    </a:p>
+                  </a:txBody>
+                  <a:tcPr/>
+                </a:tc>
+                <a:tc>
+                  <a:txBody>
+                    <a:bodyPr/>
+                    <a:lstStyle/>
+                    <a:p>
+                      <a:pPr algn="ctr"/>
+                      <a:r>
+                        <a:rPr lang="es-MX" sz="1600" dirty="0"/>
+                        <a:t>18.675</a:t>
                       </a:r>
                     </a:p>
                   </a:txBody>
@@ -40659,7 +40808,7 @@
                       <a:pPr algn="ctr"/>
                       <a:r>
                         <a:rPr lang="es-MX" sz="1600" dirty="0"/>
-                        <a:t>2</a:t>
+                        <a:t>2.4</a:t>
                       </a:r>
                     </a:p>
                   </a:txBody>
@@ -40673,7 +40822,21 @@
                       <a:pPr algn="ctr"/>
                       <a:r>
                         <a:rPr lang="es-MX" sz="1600" dirty="0"/>
-                        <a:t>3</a:t>
+                        <a:t>5.7</a:t>
+                      </a:r>
+                    </a:p>
+                  </a:txBody>
+                  <a:tcPr/>
+                </a:tc>
+                <a:tc>
+                  <a:txBody>
+                    <a:bodyPr/>
+                    <a:lstStyle/>
+                    <a:p>
+                      <a:pPr algn="ctr"/>
+                      <a:r>
+                        <a:rPr lang="es-MX" sz="1600" dirty="0"/>
+                        <a:t>6.84</a:t>
                       </a:r>
                     </a:p>
                   </a:txBody>
@@ -41548,8 +41711,8 @@
         </p:nvSpPr>
         <p:spPr>
           <a:xfrm>
-            <a:off x="1037353" y="847344"/>
-            <a:ext cx="4982053" cy="1671087"/>
+            <a:off x="1385764" y="900663"/>
+            <a:ext cx="4940658" cy="1671087"/>
           </a:xfrm>
           <a:prstGeom prst="rect">
             <a:avLst/>
@@ -41561,10 +41724,7 @@
           </a:bodyPr>
           <a:lstStyle/>
           <a:p>
-            <a:pPr marL="355600" marR="12700" indent="-342900" algn="just">
-              <a:buFont typeface="Arial" panose="020B0604020202020204" pitchFamily="34" charset="0"/>
-              <a:buChar char="•"/>
-            </a:pPr>
+            <a:pPr marL="12700" marR="12700" algn="just"/>
             <a:r>
               <a:rPr lang="es-MX" sz="1600" dirty="0">
                 <a:solidFill>
@@ -41648,14 +41808,29 @@
                 </a:solidFill>
                 <a:cs typeface="Calibri"/>
               </a:rPr>
-              <a:t> índice de masa corporal (IMC) y el nivel al que corresponde de acuerdo a la siguiente tabla.</a:t>
-            </a:r>
-          </a:p>
-          <a:p>
-            <a:pPr marL="355600" marR="12700" indent="-342900" algn="just">
-              <a:buFont typeface="Arial" panose="020B0604020202020204" pitchFamily="34" charset="0"/>
-              <a:buChar char="•"/>
-            </a:pPr>
+              <a:t> índice de masa corporal (IMC). Después calcular el nivel al que corresponde de acuerdo a la siguiente tabla, haciendo uso del </a:t>
+            </a:r>
+            <a:r>
+              <a:rPr lang="es-MX" sz="1600" dirty="0" err="1">
+                <a:solidFill>
+                  <a:srgbClr val="C5DAEB"/>
+                </a:solidFill>
+                <a:cs typeface="Calibri"/>
+              </a:rPr>
+              <a:t>if</a:t>
+            </a:r>
+            <a:r>
+              <a:rPr lang="es-MX" sz="1600" dirty="0">
+                <a:solidFill>
+                  <a:srgbClr val="C5DAEB"/>
+                </a:solidFill>
+                <a:cs typeface="Calibri"/>
+              </a:rPr>
+              <a:t>-anidado.</a:t>
+            </a:r>
+          </a:p>
+          <a:p>
+            <a:pPr marL="12700" marR="12700" algn="just"/>
             <a:r>
               <a:rPr lang="es-MX" sz="1600" dirty="0">
                 <a:solidFill>
@@ -41665,7 +41840,7 @@
                   </a:schemeClr>
                 </a:solidFill>
               </a:rPr>
-              <a:t>En el script principal, pedir la estatura y el peso. Mandar llamar la función.</a:t>
+              <a:t>En el script principal, pedir la altura y el peso. Mandar llamar la función.</a:t>
             </a:r>
             <a:endParaRPr lang="es-ES" sz="1600" dirty="0">
               <a:solidFill>
@@ -41786,14 +41961,14 @@
           <p:nvPr>
             <p:extLst>
               <p:ext uri="{D42A27DB-BD31-4B8C-83A1-F6EECF244321}">
-                <p14:modId xmlns:p14="http://schemas.microsoft.com/office/powerpoint/2010/main" val="1074223939"/>
+                <p14:modId xmlns:p14="http://schemas.microsoft.com/office/powerpoint/2010/main" val="489456900"/>
               </p:ext>
             </p:extLst>
           </p:nvPr>
         </p:nvGraphicFramePr>
         <p:xfrm>
-          <a:off x="6200273" y="99633"/>
-          <a:ext cx="2866596" cy="2562378"/>
+          <a:off x="6403555" y="-19050"/>
+          <a:ext cx="2740445" cy="2562378"/>
         </p:xfrm>
         <a:graphic>
           <a:graphicData uri="http://schemas.openxmlformats.org/drawingml/2006/table">
@@ -41802,14 +41977,14 @@
                 <a:tableStyleId>{5C22544A-7EE6-4342-B048-85BDC9FD1C3A}</a:tableStyleId>
               </a:tblPr>
               <a:tblGrid>
-                <a:gridCol w="991931">
+                <a:gridCol w="1054696">
                   <a:extLst>
                     <a:ext uri="{9D8B030D-6E8A-4147-A177-3AD203B41FA5}">
                       <a16:colId xmlns:a16="http://schemas.microsoft.com/office/drawing/2014/main" val="3841737167"/>
                     </a:ext>
                   </a:extLst>
                 </a:gridCol>
-                <a:gridCol w="1874665">
+                <a:gridCol w="1685749">
                   <a:extLst>
                     <a:ext uri="{9D8B030D-6E8A-4147-A177-3AD203B41FA5}">
                       <a16:colId xmlns:a16="http://schemas.microsoft.com/office/drawing/2014/main" val="516758453"/>
@@ -41896,7 +42071,7 @@
                       <a:pPr algn="ctr"/>
                       <a:r>
                         <a:rPr lang="es-MX" sz="1400" dirty="0"/>
-                        <a:t>18.5 – 24.9</a:t>
+                        <a:t>18.5 - 24.9</a:t>
                       </a:r>
                     </a:p>
                   </a:txBody>
@@ -41931,7 +42106,7 @@
                       <a:pPr algn="ctr"/>
                       <a:r>
                         <a:rPr lang="es-MX" sz="1400" dirty="0"/>
-                        <a:t>25 – 26.9</a:t>
+                        <a:t>25 - 26.9</a:t>
                       </a:r>
                     </a:p>
                   </a:txBody>
@@ -41966,7 +42141,7 @@
                       <a:pPr algn="ctr"/>
                       <a:r>
                         <a:rPr lang="es-MX" sz="1400" dirty="0"/>
-                        <a:t>27 – 29.9</a:t>
+                        <a:t>27 - 29.9</a:t>
                       </a:r>
                     </a:p>
                   </a:txBody>
@@ -41980,7 +42155,7 @@
                       <a:pPr algn="ctr"/>
                       <a:r>
                         <a:rPr lang="es-MX" sz="1400" dirty="0" err="1"/>
-                        <a:t>Pre_obesidad</a:t>
+                        <a:t>Preobesidad</a:t>
                       </a:r>
                       <a:endParaRPr lang="es-MX" sz="1400" dirty="0"/>
                     </a:p>
@@ -42002,7 +42177,7 @@
                       <a:pPr algn="ctr"/>
                       <a:r>
                         <a:rPr lang="es-MX" sz="1400" dirty="0"/>
-                        <a:t>30 – 34.9</a:t>
+                        <a:t>30 - 34.9</a:t>
                       </a:r>
                     </a:p>
                   </a:txBody>
@@ -42037,7 +42212,7 @@
                       <a:pPr algn="ctr"/>
                       <a:r>
                         <a:rPr lang="es-MX" sz="1400" dirty="0"/>
-                        <a:t>35 – 39.9</a:t>
+                        <a:t>35 - 39.9</a:t>
                       </a:r>
                     </a:p>
                   </a:txBody>
@@ -42243,7 +42418,7 @@
           <p:nvPr>
             <p:extLst>
               <p:ext uri="{D42A27DB-BD31-4B8C-83A1-F6EECF244321}">
-                <p14:modId xmlns:p14="http://schemas.microsoft.com/office/powerpoint/2010/main" val="3099498971"/>
+                <p14:modId xmlns:p14="http://schemas.microsoft.com/office/powerpoint/2010/main" val="4196331555"/>
               </p:ext>
             </p:extLst>
           </p:nvPr>
@@ -42423,7 +42598,7 @@
                       <a:pPr algn="ctr"/>
                       <a:r>
                         <a:rPr lang="es-MX" sz="1600" dirty="0"/>
-                        <a:t>1.5</a:t>
+                        <a:t>1.4</a:t>
                       </a:r>
                     </a:p>
                   </a:txBody>
@@ -42612,7 +42787,7 @@
                       <a:pPr algn="ctr"/>
                       <a:r>
                         <a:rPr lang="es-MX" sz="1600" dirty="0"/>
-                        <a:t>1.65</a:t>
+                        <a:t>1.8</a:t>
                       </a:r>
                     </a:p>
                   </a:txBody>
@@ -42640,7 +42815,7 @@
                       <a:pPr algn="ctr"/>
                       <a:r>
                         <a:rPr lang="es-MX" sz="1600" dirty="0"/>
-                        <a:t>31.22</a:t>
+                        <a:t>26.23</a:t>
                       </a:r>
                     </a:p>
                   </a:txBody>
@@ -42654,7 +42829,7 @@
                       <a:pPr algn="ctr"/>
                       <a:r>
                         <a:rPr lang="es-MX" sz="1600" dirty="0"/>
-                        <a:t>Obesidad leve</a:t>
+                        <a:t>Sobrepeso</a:t>
                       </a:r>
                     </a:p>
                   </a:txBody>
@@ -45441,8 +45616,8 @@
         </p:nvSpPr>
         <p:spPr>
           <a:xfrm>
-            <a:off x="2129788" y="1161287"/>
-            <a:ext cx="6192776" cy="3054857"/>
+            <a:off x="2129787" y="1161287"/>
+            <a:ext cx="6677407" cy="3054857"/>
           </a:xfrm>
           <a:prstGeom prst="rect">
             <a:avLst/>
@@ -45456,7 +45631,7 @@
           <a:p>
             <a:pPr marL="12700" marR="12700" algn="just"/>
             <a:r>
-              <a:rPr lang="es-MX" sz="2400" dirty="0">
+              <a:rPr lang="es-MX" sz="1900" dirty="0">
                 <a:solidFill>
                   <a:schemeClr val="accent5">
                     <a:lumMod val="40000"/>
@@ -45467,7 +45642,7 @@
               <a:t>Escriba la función </a:t>
             </a:r>
             <a:r>
-              <a:rPr lang="es-MX" sz="2400" b="1" dirty="0" err="1">
+              <a:rPr lang="es-MX" sz="1900" b="1" dirty="0" err="1">
                 <a:solidFill>
                   <a:schemeClr val="accent6">
                     <a:lumMod val="75000"/>
@@ -45477,7 +45652,7 @@
               <a:t>menu</a:t>
             </a:r>
             <a:r>
-              <a:rPr lang="es-MX" sz="2400" dirty="0">
+              <a:rPr lang="es-MX" sz="1900" dirty="0">
                 <a:solidFill>
                   <a:schemeClr val="accent5">
                     <a:lumMod val="40000"/>
@@ -45490,7 +45665,7 @@
           </a:p>
           <a:p>
             <a:pPr marL="12700" marR="12700" algn="just"/>
-            <a:endParaRPr lang="es-MX" sz="2400" dirty="0">
+            <a:endParaRPr lang="es-MX" sz="1900" dirty="0">
               <a:solidFill>
                 <a:schemeClr val="accent5">
                   <a:lumMod val="40000"/>
@@ -45502,7 +45677,7 @@
           <a:p>
             <a:pPr marL="12700" marR="12700" algn="just"/>
             <a:r>
-              <a:rPr lang="es-MX" sz="2400" dirty="0">
+              <a:rPr lang="es-MX" sz="1900" dirty="0">
                 <a:solidFill>
                   <a:schemeClr val="accent5">
                     <a:lumMod val="40000"/>
@@ -45516,7 +45691,7 @@
           <a:p>
             <a:pPr marL="12700" marR="12700" algn="just"/>
             <a:r>
-              <a:rPr lang="es-MX" sz="2400" dirty="0">
+              <a:rPr lang="es-MX" sz="1900" dirty="0">
                 <a:solidFill>
                   <a:schemeClr val="accent5">
                     <a:lumMod val="40000"/>
@@ -45530,7 +45705,7 @@
           <a:p>
             <a:pPr marL="12700" marR="12700" algn="just"/>
             <a:r>
-              <a:rPr lang="es-MX" sz="2400" dirty="0">
+              <a:rPr lang="es-MX" sz="1900" dirty="0">
                 <a:solidFill>
                   <a:schemeClr val="accent5">
                     <a:lumMod val="40000"/>
@@ -45544,7 +45719,7 @@
           <a:p>
             <a:pPr marL="12700" marR="12700" algn="just"/>
             <a:r>
-              <a:rPr lang="es-MX" sz="2400" dirty="0">
+              <a:rPr lang="es-MX" sz="1900" dirty="0">
                 <a:solidFill>
                   <a:schemeClr val="accent5">
                     <a:lumMod val="40000"/>
@@ -45558,7 +45733,7 @@
           <a:p>
             <a:pPr marL="12700" marR="12700" algn="just"/>
             <a:r>
-              <a:rPr lang="es-MX" sz="2400" dirty="0">
+              <a:rPr lang="es-MX" sz="1900" dirty="0">
                 <a:solidFill>
                   <a:schemeClr val="accent5">
                     <a:lumMod val="40000"/>
@@ -45568,7 +45743,36 @@
               </a:rPr>
               <a:t>5. Masa corporal</a:t>
             </a:r>
-            <a:endParaRPr lang="es-MX" sz="2400" dirty="0">
+          </a:p>
+          <a:p>
+            <a:pPr marL="12700" marR="12700" algn="just"/>
+            <a:endParaRPr lang="es-MX" sz="1900" dirty="0">
+              <a:solidFill>
+                <a:schemeClr val="accent5">
+                  <a:lumMod val="40000"/>
+                  <a:lumOff val="60000"/>
+                </a:schemeClr>
+              </a:solidFill>
+              <a:latin typeface="Calibri"/>
+              <a:cs typeface="Calibri"/>
+            </a:endParaRPr>
+          </a:p>
+          <a:p>
+            <a:pPr marL="12700" marR="12700" algn="just"/>
+            <a:r>
+              <a:rPr lang="es-MX" sz="1900" dirty="0">
+                <a:solidFill>
+                  <a:schemeClr val="accent5">
+                    <a:lumMod val="40000"/>
+                    <a:lumOff val="60000"/>
+                  </a:schemeClr>
+                </a:solidFill>
+                <a:latin typeface="Calibri"/>
+                <a:cs typeface="Calibri"/>
+              </a:rPr>
+              <a:t>Pide una opción y la función debe regresar el valor de la opción.</a:t>
+            </a:r>
+            <a:endParaRPr lang="es-MX" sz="1900" dirty="0">
               <a:solidFill>
                 <a:srgbClr val="C5DAEB"/>
               </a:solidFill>
@@ -46431,7 +46635,7 @@
                   </a:schemeClr>
                 </a:solidFill>
               </a:rPr>
-              <a:t>, que despliegue el menú, pida una opción y de acuerdo a la opción seleccionada por el usuario le dé la oportunidad de ejecutar cualquiera de las funciones que han sido construidas, haciendo uso del </a:t>
+              <a:t>, que mande llamar la función del menú y de acuerdo a la opción seleccionada por el usuario le dé la oportunidad de ejecutar cualquiera de las funciones que han sido construidas anteriormente, haciendo uso del </a:t>
             </a:r>
             <a:r>
               <a:rPr lang="es-MX" sz="2400" b="1" dirty="0" err="1">
@@ -46533,7 +46737,7 @@
         </p:nvSpPr>
         <p:spPr>
           <a:xfrm>
-            <a:off x="2071117" y="3933189"/>
+            <a:off x="2052829" y="3923699"/>
             <a:ext cx="4692062" cy="593851"/>
           </a:xfrm>
           <a:prstGeom prst="rect">

--- a/Calendario2019/Presentaciones/Semana2/2_5_CondicionalesF.pptx
+++ b/Calendario2019/Presentaciones/Semana2/2_5_CondicionalesF.pptx
@@ -46737,7 +46737,7 @@
         </p:nvSpPr>
         <p:spPr>
           <a:xfrm>
-            <a:off x="2052829" y="3923699"/>
+            <a:off x="2037545" y="3944873"/>
             <a:ext cx="4692062" cy="593851"/>
           </a:xfrm>
           <a:prstGeom prst="rect">
